--- a/Team3Presentation.pptx
+++ b/Team3Presentation.pptx
@@ -5,16 +5,18 @@
     <p:sldMasterId id="2147483660" r:id="rId1"/>
   </p:sldMasterIdLst>
   <p:notesMasterIdLst>
-    <p:notesMasterId r:id="rId9"/>
+    <p:notesMasterId r:id="rId11"/>
   </p:notesMasterIdLst>
   <p:sldIdLst>
     <p:sldId id="256" r:id="rId2"/>
     <p:sldId id="257" r:id="rId3"/>
     <p:sldId id="258" r:id="rId4"/>
-    <p:sldId id="259" r:id="rId5"/>
-    <p:sldId id="262" r:id="rId6"/>
-    <p:sldId id="260" r:id="rId7"/>
-    <p:sldId id="261" r:id="rId8"/>
+    <p:sldId id="263" r:id="rId5"/>
+    <p:sldId id="259" r:id="rId6"/>
+    <p:sldId id="264" r:id="rId7"/>
+    <p:sldId id="262" r:id="rId8"/>
+    <p:sldId id="260" r:id="rId9"/>
+    <p:sldId id="261" r:id="rId10"/>
   </p:sldIdLst>
   <p:sldSz cx="9144000" cy="6858000" type="screen4x3"/>
   <p:notesSz cx="6858000" cy="9144000"/>
@@ -7369,7 +7371,11 @@
           <a:p>
             <a:r>
               <a:rPr lang="en-US" dirty="0" smtClean="0"/>
-              <a:t>Also provides countless services and programs that</a:t>
+              <a:t>Also provides countless services and programs </a:t>
+            </a:r>
+            <a:r>
+              <a:rPr lang="en-US" dirty="0" smtClean="0"/>
+              <a:t>that provide knowledge, support, resources, and community to those living with paralysis</a:t>
             </a:r>
             <a:endParaRPr lang="en-US" dirty="0"/>
           </a:p>
@@ -7469,20 +7475,45 @@
           <a:p>
             <a:r>
               <a:rPr lang="en-US" dirty="0" smtClean="0"/>
-              <a:t>To develop an application that motivates individuals (living with and without paralysis) to report on inaccessible places</a:t>
-            </a:r>
-          </a:p>
-          <a:p>
+              <a:t>To develop an application that motivates individuals (living with and without paralysis) to report on inaccessible </a:t>
+            </a:r>
             <a:r>
               <a:rPr lang="en-US" dirty="0" smtClean="0"/>
-              <a:t>Bring a stronger awareness of these barriers to the general public</a:t>
+              <a:t>places</a:t>
             </a:r>
           </a:p>
           <a:p>
             <a:pPr lvl="1"/>
             <a:r>
               <a:rPr lang="en-US" dirty="0" smtClean="0"/>
-              <a:t>Improve conditions</a:t>
+              <a:t>Offer real-time information</a:t>
+            </a:r>
+          </a:p>
+          <a:p>
+            <a:pPr lvl="1"/>
+            <a:r>
+              <a:rPr lang="en-US" dirty="0" smtClean="0"/>
+              <a:t>Share experiences at a location</a:t>
+            </a:r>
+          </a:p>
+          <a:p>
+            <a:pPr lvl="1"/>
+            <a:r>
+              <a:rPr lang="en-US" dirty="0" smtClean="0"/>
+              <a:t>Help one another</a:t>
+            </a:r>
+          </a:p>
+          <a:p>
+            <a:pPr lvl="1"/>
+            <a:r>
+              <a:rPr lang="en-US" dirty="0" smtClean="0"/>
+              <a:t>Raise awareness to the general public</a:t>
+            </a:r>
+          </a:p>
+          <a:p>
+            <a:r>
+              <a:rPr lang="en-US" dirty="0" smtClean="0"/>
+              <a:t>Improve conditions and quality of life</a:t>
             </a:r>
             <a:endParaRPr lang="en-US" dirty="0"/>
           </a:p>
@@ -7528,14 +7559,19 @@
             <p:ph type="title"/>
           </p:nvPr>
         </p:nvSpPr>
-        <p:spPr/>
+        <p:spPr>
+          <a:xfrm>
+            <a:off x="457199" y="197357"/>
+            <a:ext cx="6508377" cy="1143000"/>
+          </a:xfrm>
+        </p:spPr>
         <p:txBody>
           <a:bodyPr/>
           <a:lstStyle/>
           <a:p>
             <a:r>
               <a:rPr lang="en-US" dirty="0" smtClean="0"/>
-              <a:t>Our Solution</a:t>
+              <a:t>We were asked to consider..</a:t>
             </a:r>
             <a:endParaRPr lang="en-US" dirty="0"/>
           </a:p>
@@ -7551,14 +7587,49 @@
             <p:ph idx="1"/>
           </p:nvPr>
         </p:nvSpPr>
-        <p:spPr/>
+        <p:spPr>
+          <a:xfrm>
+            <a:off x="457199" y="1759087"/>
+            <a:ext cx="8126024" cy="4817218"/>
+          </a:xfrm>
+        </p:spPr>
         <p:txBody>
           <a:bodyPr/>
           <a:lstStyle/>
           <a:p>
             <a:r>
               <a:rPr lang="en-US" dirty="0" smtClean="0"/>
-              <a:t>“Striving for a better quality of life for everyone”</a:t>
+              <a:t>Could individuals “adopt” specific locations and be responsible for reporting updates?</a:t>
+            </a:r>
+          </a:p>
+          <a:p>
+            <a:r>
+              <a:rPr lang="en-US" dirty="0" smtClean="0"/>
+              <a:t>Could individuals who report gain recognition in the community?</a:t>
+            </a:r>
+          </a:p>
+          <a:p>
+            <a:r>
+              <a:rPr lang="en-US" dirty="0" smtClean="0"/>
+              <a:t>Could we create healthy competition among contributors?</a:t>
+            </a:r>
+          </a:p>
+          <a:p>
+            <a:r>
+              <a:rPr lang="en-US" dirty="0" smtClean="0"/>
+              <a:t>Could contributors work on teams?</a:t>
+            </a:r>
+          </a:p>
+          <a:p>
+            <a:r>
+              <a:rPr lang="en-US" dirty="0" smtClean="0"/>
+              <a:t>How could individuals makes meaningful contributions when they may not be familiar with the challenges disabled people face?</a:t>
+            </a:r>
+          </a:p>
+          <a:p>
+            <a:r>
+              <a:rPr lang="en-US" dirty="0" smtClean="0"/>
+              <a:t>How could individuals understand the impact that their reporting has on the paralysis community?</a:t>
             </a:r>
             <a:endParaRPr lang="en-US" dirty="0"/>
           </a:p>
@@ -7567,7 +7638,7 @@
     </p:spTree>
     <p:extLst>
       <p:ext uri="{BB962C8B-B14F-4D97-AF65-F5344CB8AC3E}">
-        <p14:creationId xmlns:p14="http://schemas.microsoft.com/office/powerpoint/2010/main" val="1584029413"/>
+        <p14:creationId xmlns:p14="http://schemas.microsoft.com/office/powerpoint/2010/main" val="1638221414"/>
       </p:ext>
     </p:extLst>
   </p:cSld>
@@ -7611,7 +7682,7 @@
           <a:p>
             <a:r>
               <a:rPr lang="en-US" dirty="0" smtClean="0"/>
-              <a:t>Impacts</a:t>
+              <a:t>Our Solution</a:t>
             </a:r>
             <a:endParaRPr lang="en-US" dirty="0"/>
           </a:p>
@@ -7632,6 +7703,10 @@
           <a:bodyPr/>
           <a:lstStyle/>
           <a:p>
+            <a:r>
+              <a:rPr lang="en-US" dirty="0" smtClean="0"/>
+              <a:t>“Striving for a better quality of life for everyone”</a:t>
+            </a:r>
             <a:endParaRPr lang="en-US" dirty="0"/>
           </a:p>
         </p:txBody>
@@ -7639,7 +7714,7 @@
     </p:spTree>
     <p:extLst>
       <p:ext uri="{BB962C8B-B14F-4D97-AF65-F5344CB8AC3E}">
-        <p14:creationId xmlns:p14="http://schemas.microsoft.com/office/powerpoint/2010/main" val="3433083612"/>
+        <p14:creationId xmlns:p14="http://schemas.microsoft.com/office/powerpoint/2010/main" val="1584029413"/>
       </p:ext>
     </p:extLst>
   </p:cSld>
@@ -7683,6 +7758,215 @@
           <a:p>
             <a:r>
               <a:rPr lang="en-US" dirty="0" smtClean="0"/>
+              <a:t>Real world implementation</a:t>
+            </a:r>
+            <a:endParaRPr lang="en-US" dirty="0"/>
+          </a:p>
+        </p:txBody>
+      </p:sp>
+      <p:sp>
+        <p:nvSpPr>
+          <p:cNvPr id="3" name="Content Placeholder 2"/>
+          <p:cNvSpPr>
+            <a:spLocks noGrp="1"/>
+          </p:cNvSpPr>
+          <p:nvPr>
+            <p:ph idx="1"/>
+          </p:nvPr>
+        </p:nvSpPr>
+        <p:spPr>
+          <a:xfrm>
+            <a:off x="457199" y="2209800"/>
+            <a:ext cx="7900688" cy="3916363"/>
+          </a:xfrm>
+        </p:spPr>
+        <p:txBody>
+          <a:bodyPr/>
+          <a:lstStyle/>
+          <a:p>
+            <a:r>
+              <a:rPr lang="en-US" dirty="0" smtClean="0"/>
+              <a:t>Employers can encourage employees to download</a:t>
+            </a:r>
+          </a:p>
+          <a:p>
+            <a:r>
+              <a:rPr lang="en-US" dirty="0" smtClean="0"/>
+              <a:t>Viral videos –  (ALS ice bucket challenge)</a:t>
+            </a:r>
+          </a:p>
+          <a:p>
+            <a:r>
+              <a:rPr lang="en-US" dirty="0" smtClean="0"/>
+              <a:t>Business owners can check their score</a:t>
+            </a:r>
+          </a:p>
+          <a:p>
+            <a:pPr lvl="1"/>
+            <a:r>
+              <a:rPr lang="en-US" dirty="0" smtClean="0"/>
+              <a:t>Gives them a chance to right what they might not have realized</a:t>
+            </a:r>
+          </a:p>
+          <a:p>
+            <a:r>
+              <a:rPr lang="en-US" dirty="0" smtClean="0"/>
+              <a:t>Company partnerships to provide rewards like gift cards</a:t>
+            </a:r>
+            <a:endParaRPr lang="en-US" dirty="0"/>
+          </a:p>
+        </p:txBody>
+      </p:sp>
+    </p:spTree>
+    <p:extLst>
+      <p:ext uri="{BB962C8B-B14F-4D97-AF65-F5344CB8AC3E}">
+        <p14:creationId xmlns:p14="http://schemas.microsoft.com/office/powerpoint/2010/main" val="4279739158"/>
+      </p:ext>
+    </p:extLst>
+  </p:cSld>
+  <p:clrMapOvr>
+    <a:masterClrMapping/>
+  </p:clrMapOvr>
+</p:sld>
+</file>
+
+<file path=ppt/slides/slide7.xml><?xml version="1.0" encoding="utf-8"?>
+<p:sld xmlns:a="http://schemas.openxmlformats.org/drawingml/2006/main" xmlns:r="http://schemas.openxmlformats.org/officeDocument/2006/relationships" xmlns:p="http://schemas.openxmlformats.org/presentationml/2006/main">
+  <p:cSld>
+    <p:spTree>
+      <p:nvGrpSpPr>
+        <p:cNvPr id="1" name=""/>
+        <p:cNvGrpSpPr/>
+        <p:nvPr/>
+      </p:nvGrpSpPr>
+      <p:grpSpPr>
+        <a:xfrm>
+          <a:off x="0" y="0"/>
+          <a:ext cx="0" cy="0"/>
+          <a:chOff x="0" y="0"/>
+          <a:chExt cx="0" cy="0"/>
+        </a:xfrm>
+      </p:grpSpPr>
+      <p:sp>
+        <p:nvSpPr>
+          <p:cNvPr id="2" name="Title 1"/>
+          <p:cNvSpPr>
+            <a:spLocks noGrp="1"/>
+          </p:cNvSpPr>
+          <p:nvPr>
+            <p:ph type="title"/>
+          </p:nvPr>
+        </p:nvSpPr>
+        <p:spPr/>
+        <p:txBody>
+          <a:bodyPr/>
+          <a:lstStyle/>
+          <a:p>
+            <a:r>
+              <a:rPr lang="en-US" dirty="0" smtClean="0"/>
+              <a:t>Impacts</a:t>
+            </a:r>
+            <a:endParaRPr lang="en-US" dirty="0"/>
+          </a:p>
+        </p:txBody>
+      </p:sp>
+      <p:sp>
+        <p:nvSpPr>
+          <p:cNvPr id="3" name="Content Placeholder 2"/>
+          <p:cNvSpPr>
+            <a:spLocks noGrp="1"/>
+          </p:cNvSpPr>
+          <p:nvPr>
+            <p:ph idx="1"/>
+          </p:nvPr>
+        </p:nvSpPr>
+        <p:spPr/>
+        <p:txBody>
+          <a:bodyPr/>
+          <a:lstStyle/>
+          <a:p>
+            <a:r>
+              <a:rPr lang="en-US" dirty="0" smtClean="0"/>
+              <a:t>Individuals with paralysis</a:t>
+            </a:r>
+            <a:endParaRPr lang="en-US" dirty="0"/>
+          </a:p>
+          <a:p>
+            <a:pPr lvl="1"/>
+            <a:r>
+              <a:rPr lang="en-US" dirty="0" smtClean="0"/>
+              <a:t>Gives them an idea of what the trip there will look like</a:t>
+            </a:r>
+          </a:p>
+          <a:p>
+            <a:r>
+              <a:rPr lang="en-US" dirty="0" smtClean="0"/>
+              <a:t>General public</a:t>
+            </a:r>
+          </a:p>
+          <a:p>
+            <a:pPr lvl="1"/>
+            <a:r>
+              <a:rPr lang="en-US" dirty="0" smtClean="0"/>
+              <a:t>Knowledge of</a:t>
+            </a:r>
+          </a:p>
+          <a:p>
+            <a:pPr lvl="1"/>
+            <a:r>
+              <a:rPr lang="en-US" dirty="0" smtClean="0"/>
+              <a:t>Why do people write reviews?</a:t>
+            </a:r>
+          </a:p>
+        </p:txBody>
+      </p:sp>
+    </p:spTree>
+    <p:extLst>
+      <p:ext uri="{BB962C8B-B14F-4D97-AF65-F5344CB8AC3E}">
+        <p14:creationId xmlns:p14="http://schemas.microsoft.com/office/powerpoint/2010/main" val="3433083612"/>
+      </p:ext>
+    </p:extLst>
+  </p:cSld>
+  <p:clrMapOvr>
+    <a:masterClrMapping/>
+  </p:clrMapOvr>
+</p:sld>
+</file>
+
+<file path=ppt/slides/slide8.xml><?xml version="1.0" encoding="utf-8"?>
+<p:sld xmlns:a="http://schemas.openxmlformats.org/drawingml/2006/main" xmlns:r="http://schemas.openxmlformats.org/officeDocument/2006/relationships" xmlns:p="http://schemas.openxmlformats.org/presentationml/2006/main">
+  <p:cSld>
+    <p:spTree>
+      <p:nvGrpSpPr>
+        <p:cNvPr id="1" name=""/>
+        <p:cNvGrpSpPr/>
+        <p:nvPr/>
+      </p:nvGrpSpPr>
+      <p:grpSpPr>
+        <a:xfrm>
+          <a:off x="0" y="0"/>
+          <a:ext cx="0" cy="0"/>
+          <a:chOff x="0" y="0"/>
+          <a:chExt cx="0" cy="0"/>
+        </a:xfrm>
+      </p:grpSpPr>
+      <p:sp>
+        <p:nvSpPr>
+          <p:cNvPr id="2" name="Title 1"/>
+          <p:cNvSpPr>
+            <a:spLocks noGrp="1"/>
+          </p:cNvSpPr>
+          <p:nvPr>
+            <p:ph type="title"/>
+          </p:nvPr>
+        </p:nvSpPr>
+        <p:spPr/>
+        <p:txBody>
+          <a:bodyPr/>
+          <a:lstStyle/>
+          <a:p>
+            <a:r>
+              <a:rPr lang="en-US" dirty="0" smtClean="0"/>
               <a:t>Envisioned future additions</a:t>
             </a:r>
             <a:endParaRPr lang="en-US" dirty="0"/>
@@ -7699,14 +7983,27 @@
             <p:ph idx="1"/>
           </p:nvPr>
         </p:nvSpPr>
-        <p:spPr/>
+        <p:spPr>
+          <a:xfrm>
+            <a:off x="457198" y="2209800"/>
+            <a:ext cx="8310389" cy="3916363"/>
+          </a:xfrm>
+        </p:spPr>
         <p:txBody>
           <a:bodyPr/>
           <a:lstStyle/>
           <a:p>
             <a:r>
               <a:rPr lang="en-US" dirty="0" smtClean="0"/>
-              <a:t>Volunteer accounts</a:t>
+              <a:t>Expand </a:t>
+            </a:r>
+            <a:r>
+              <a:rPr lang="en-US" dirty="0" smtClean="0"/>
+              <a:t>volunteer </a:t>
+            </a:r>
+            <a:r>
+              <a:rPr lang="en-US" dirty="0" smtClean="0"/>
+              <a:t>accounts</a:t>
             </a:r>
           </a:p>
           <a:p>
@@ -7716,7 +8013,23 @@
             </a:r>
           </a:p>
           <a:p>
-            <a:endParaRPr lang="en-US" dirty="0" smtClean="0"/>
+            <a:r>
+              <a:rPr lang="en-US" dirty="0" smtClean="0"/>
+              <a:t>Employer accounts to monitor employees’ social responsibility</a:t>
+            </a:r>
+          </a:p>
+          <a:p>
+            <a:r>
+              <a:rPr lang="en-US" dirty="0" smtClean="0"/>
+              <a:t>Business owner accounts</a:t>
+            </a:r>
+          </a:p>
+          <a:p>
+            <a:pPr lvl="1"/>
+            <a:r>
+              <a:rPr lang="en-US" dirty="0" smtClean="0"/>
+              <a:t>Section on improving their business</a:t>
+            </a:r>
           </a:p>
         </p:txBody>
       </p:sp>
@@ -7733,7 +8046,7 @@
 </p:sld>
 </file>
 
-<file path=ppt/slides/slide7.xml><?xml version="1.0" encoding="utf-8"?>
+<file path=ppt/slides/slide9.xml><?xml version="1.0" encoding="utf-8"?>
 <p:sld xmlns:a="http://schemas.openxmlformats.org/drawingml/2006/main" xmlns:r="http://schemas.openxmlformats.org/officeDocument/2006/relationships" xmlns:p="http://schemas.openxmlformats.org/presentationml/2006/main">
   <p:cSld>
     <p:spTree>

--- a/Team3Presentation.pptx
+++ b/Team3Presentation.pptx
@@ -7371,11 +7371,7 @@
           <a:p>
             <a:r>
               <a:rPr lang="en-US" dirty="0" smtClean="0"/>
-              <a:t>Also provides countless services and programs </a:t>
-            </a:r>
-            <a:r>
-              <a:rPr lang="en-US" dirty="0" smtClean="0"/>
-              <a:t>that provide knowledge, support, resources, and community to those living with paralysis</a:t>
+              <a:t>Also provides countless services and programs that provide knowledge, support, resources, and community to those living with paralysis</a:t>
             </a:r>
             <a:endParaRPr lang="en-US" dirty="0"/>
           </a:p>
@@ -7475,11 +7471,7 @@
           <a:p>
             <a:r>
               <a:rPr lang="en-US" dirty="0" smtClean="0"/>
-              <a:t>To develop an application that motivates individuals (living with and without paralysis) to report on inaccessible </a:t>
-            </a:r>
-            <a:r>
-              <a:rPr lang="en-US" dirty="0" smtClean="0"/>
-              <a:t>places</a:t>
+              <a:t>To develop an application that motivates individuals (living with and without paralysis) to report on inaccessible places</a:t>
             </a:r>
           </a:p>
           <a:p>
@@ -7675,7 +7667,12 @@
             <p:ph type="title"/>
           </p:nvPr>
         </p:nvSpPr>
-        <p:spPr/>
+        <p:spPr>
+          <a:xfrm>
+            <a:off x="457199" y="234081"/>
+            <a:ext cx="6508377" cy="1143000"/>
+          </a:xfrm>
+        </p:spPr>
         <p:txBody>
           <a:bodyPr/>
           <a:lstStyle/>
@@ -7698,7 +7695,12 @@
             <p:ph idx="1"/>
           </p:nvPr>
         </p:nvSpPr>
-        <p:spPr/>
+        <p:spPr>
+          <a:xfrm>
+            <a:off x="457199" y="1424976"/>
+            <a:ext cx="6508377" cy="3916363"/>
+          </a:xfrm>
+        </p:spPr>
         <p:txBody>
           <a:bodyPr/>
           <a:lstStyle/>
@@ -7711,6 +7713,39 @@
           </a:p>
         </p:txBody>
       </p:sp>
+      <p:pic>
+        <p:nvPicPr>
+          <p:cNvPr id="4" name="jpmorgan.gif">
+            <a:hlinkClick r:id="" action="ppaction://media"/>
+          </p:cNvPr>
+          <p:cNvPicPr>
+            <a:picLocks noChangeAspect="1"/>
+          </p:cNvPicPr>
+          <p:nvPr>
+            <a:videoFile r:link="rId2"/>
+            <p:extLst>
+              <p:ext uri="{DAA4B4D4-6D71-4841-9C94-3DE7FCFB9230}">
+                <p14:media xmlns:p14="http://schemas.microsoft.com/office/powerpoint/2010/main" r:embed="rId1"/>
+              </p:ext>
+            </p:extLst>
+          </p:nvPr>
+        </p:nvPicPr>
+        <p:blipFill>
+          <a:blip r:embed="rId4"/>
+          <a:stretch>
+            <a:fillRect/>
+          </a:stretch>
+        </p:blipFill>
+        <p:spPr>
+          <a:xfrm>
+            <a:off x="4153372" y="1855054"/>
+            <a:ext cx="2307820" cy="4313177"/>
+          </a:xfrm>
+          <a:prstGeom prst="rect">
+            <a:avLst/>
+          </a:prstGeom>
+        </p:spPr>
+      </p:pic>
     </p:spTree>
     <p:extLst>
       <p:ext uri="{BB962C8B-B14F-4D97-AF65-F5344CB8AC3E}">
@@ -7721,6 +7756,86 @@
   <p:clrMapOvr>
     <a:masterClrMapping/>
   </p:clrMapOvr>
+  <p:timing>
+    <p:tnLst>
+      <p:par>
+        <p:cTn xmlns:p14="http://schemas.microsoft.com/office/powerpoint/2010/main" id="1" dur="indefinite" restart="never" nodeType="tmRoot">
+          <p:childTnLst>
+            <p:seq concurrent="1" nextAc="seek">
+              <p:cTn id="2" restart="whenNotActive" fill="hold" evtFilter="cancelBubble" nodeType="interactiveSeq">
+                <p:stCondLst>
+                  <p:cond evt="onClick" delay="0">
+                    <p:tgtEl>
+                      <p:spTgt spid="4"/>
+                    </p:tgtEl>
+                  </p:cond>
+                </p:stCondLst>
+                <p:endSync evt="end" delay="0">
+                  <p:rtn val="all"/>
+                </p:endSync>
+                <p:childTnLst>
+                  <p:par>
+                    <p:cTn id="3" fill="hold">
+                      <p:stCondLst>
+                        <p:cond delay="0"/>
+                      </p:stCondLst>
+                      <p:childTnLst>
+                        <p:par>
+                          <p:cTn id="4" fill="hold">
+                            <p:stCondLst>
+                              <p:cond delay="0"/>
+                            </p:stCondLst>
+                            <p:childTnLst>
+                              <p:par>
+                                <p:cTn id="5" presetID="2" presetClass="mediacall" presetSubtype="0" fill="hold" nodeType="clickEffect">
+                                  <p:stCondLst>
+                                    <p:cond delay="0"/>
+                                  </p:stCondLst>
+                                  <p:childTnLst>
+                                    <p:cmd type="call" cmd="togglePause">
+                                      <p:cBhvr>
+                                        <p:cTn id="6" dur="1" fill="hold"/>
+                                        <p:tgtEl>
+                                          <p:spTgt spid="4"/>
+                                        </p:tgtEl>
+                                      </p:cBhvr>
+                                    </p:cmd>
+                                  </p:childTnLst>
+                                </p:cTn>
+                              </p:par>
+                            </p:childTnLst>
+                          </p:cTn>
+                        </p:par>
+                      </p:childTnLst>
+                    </p:cTn>
+                  </p:par>
+                </p:childTnLst>
+              </p:cTn>
+              <p:nextCondLst>
+                <p:cond evt="onClick" delay="0">
+                  <p:tgtEl>
+                    <p:spTgt spid="4"/>
+                  </p:tgtEl>
+                </p:cond>
+              </p:nextCondLst>
+            </p:seq>
+            <p:video>
+              <p:cMediaNode vol="80000">
+                <p:cTn id="7" fill="hold" display="0">
+                  <p:stCondLst>
+                    <p:cond delay="indefinite"/>
+                  </p:stCondLst>
+                </p:cTn>
+                <p:tgtEl>
+                  <p:spTgt spid="4"/>
+                </p:tgtEl>
+              </p:cMediaNode>
+            </p:video>
+          </p:childTnLst>
+        </p:cTn>
+      </p:par>
+    </p:tnLst>
+  </p:timing>
 </p:sld>
 </file>
 
@@ -7995,15 +8110,7 @@
           <a:p>
             <a:r>
               <a:rPr lang="en-US" dirty="0" smtClean="0"/>
-              <a:t>Expand </a:t>
-            </a:r>
-            <a:r>
-              <a:rPr lang="en-US" dirty="0" smtClean="0"/>
-              <a:t>volunteer </a:t>
-            </a:r>
-            <a:r>
-              <a:rPr lang="en-US" dirty="0" smtClean="0"/>
-              <a:t>accounts</a:t>
+              <a:t>Expand volunteer accounts</a:t>
             </a:r>
           </a:p>
           <a:p>
